--- a/slides/BelajarPython_01_Awal.pptx
+++ b/slides/BelajarPython_01_Awal.pptx
@@ -130,8 +130,7 @@
 <file path=ppt/revisionInfo.xml><?xml version="1.0" encoding="utf-8"?>
 <p1510:revInfo xmlns:a="http://schemas.openxmlformats.org/drawingml/2006/main" xmlns:r="http://schemas.openxmlformats.org/officeDocument/2006/relationships" xmlns:p1510="http://schemas.microsoft.com/office/powerpoint/2015/10/main">
   <p1510:revLst>
-    <p1510:client id="{6C654713-4850-4495-ABFE-4C25D71D1756}" v="1" dt="2023-08-26T14:21:01.159"/>
-    <p1510:client id="{FC79E1D7-89F2-4EC9-9977-E120E9633111}" v="3" dt="2023-08-28T11:22:28.328"/>
+    <p1510:client id="{72D010E5-0A13-478F-A1C9-107A62FDABBE}" v="1" dt="2023-09-09T13:40:16.239"/>
   </p1510:revLst>
 </p1510:revInfo>
 </file>
@@ -794,6 +793,334 @@
     </pc:docChg>
   </pc:docChgLst>
   <pc:docChgLst>
+    <pc:chgData name="Mico Siahaan" userId="a87d3b564efc7573" providerId="LiveId" clId="{72D010E5-0A13-478F-A1C9-107A62FDABBE}"/>
+    <pc:docChg chg="custSel modSld">
+      <pc:chgData name="Mico Siahaan" userId="a87d3b564efc7573" providerId="LiveId" clId="{72D010E5-0A13-478F-A1C9-107A62FDABBE}" dt="2023-09-09T13:47:08.813" v="75" actId="26606"/>
+      <pc:docMkLst>
+        <pc:docMk/>
+      </pc:docMkLst>
+      <pc:sldChg chg="modSp mod">
+        <pc:chgData name="Mico Siahaan" userId="a87d3b564efc7573" providerId="LiveId" clId="{72D010E5-0A13-478F-A1C9-107A62FDABBE}" dt="2023-09-09T13:34:52.588" v="37" actId="14100"/>
+        <pc:sldMkLst>
+          <pc:docMk/>
+          <pc:sldMk cId="711314224" sldId="258"/>
+        </pc:sldMkLst>
+        <pc:picChg chg="mod">
+          <ac:chgData name="Mico Siahaan" userId="a87d3b564efc7573" providerId="LiveId" clId="{72D010E5-0A13-478F-A1C9-107A62FDABBE}" dt="2023-09-09T13:34:52.588" v="37" actId="14100"/>
+          <ac:picMkLst>
+            <pc:docMk/>
+            <pc:sldMk cId="711314224" sldId="258"/>
+            <ac:picMk id="9" creationId="{6212BE31-9E8D-6EDF-9C94-C0B1A951EA6A}"/>
+          </ac:picMkLst>
+        </pc:picChg>
+      </pc:sldChg>
+      <pc:sldChg chg="modSp mod">
+        <pc:chgData name="Mico Siahaan" userId="a87d3b564efc7573" providerId="LiveId" clId="{72D010E5-0A13-478F-A1C9-107A62FDABBE}" dt="2023-09-09T13:35:10.837" v="39" actId="14100"/>
+        <pc:sldMkLst>
+          <pc:docMk/>
+          <pc:sldMk cId="2518568898" sldId="259"/>
+        </pc:sldMkLst>
+        <pc:picChg chg="mod">
+          <ac:chgData name="Mico Siahaan" userId="a87d3b564efc7573" providerId="LiveId" clId="{72D010E5-0A13-478F-A1C9-107A62FDABBE}" dt="2023-09-09T13:35:10.837" v="39" actId="14100"/>
+          <ac:picMkLst>
+            <pc:docMk/>
+            <pc:sldMk cId="2518568898" sldId="259"/>
+            <ac:picMk id="5" creationId="{6997C9D4-CB8F-FD55-CE9E-DC94DDDCFF78}"/>
+          </ac:picMkLst>
+        </pc:picChg>
+      </pc:sldChg>
+      <pc:sldChg chg="modSp mod">
+        <pc:chgData name="Mico Siahaan" userId="a87d3b564efc7573" providerId="LiveId" clId="{72D010E5-0A13-478F-A1C9-107A62FDABBE}" dt="2023-09-09T13:35:17.102" v="41" actId="14100"/>
+        <pc:sldMkLst>
+          <pc:docMk/>
+          <pc:sldMk cId="446208794" sldId="260"/>
+        </pc:sldMkLst>
+        <pc:picChg chg="mod">
+          <ac:chgData name="Mico Siahaan" userId="a87d3b564efc7573" providerId="LiveId" clId="{72D010E5-0A13-478F-A1C9-107A62FDABBE}" dt="2023-09-09T13:35:17.102" v="41" actId="14100"/>
+          <ac:picMkLst>
+            <pc:docMk/>
+            <pc:sldMk cId="446208794" sldId="260"/>
+            <ac:picMk id="13" creationId="{90B25B85-7476-10D8-9741-58479C3D19F3}"/>
+          </ac:picMkLst>
+        </pc:picChg>
+      </pc:sldChg>
+      <pc:sldChg chg="addSp delSp modSp mod">
+        <pc:chgData name="Mico Siahaan" userId="a87d3b564efc7573" providerId="LiveId" clId="{72D010E5-0A13-478F-A1C9-107A62FDABBE}" dt="2023-09-09T13:39:20.593" v="50" actId="1076"/>
+        <pc:sldMkLst>
+          <pc:docMk/>
+          <pc:sldMk cId="2190020775" sldId="262"/>
+        </pc:sldMkLst>
+        <pc:spChg chg="add del mod">
+          <ac:chgData name="Mico Siahaan" userId="a87d3b564efc7573" providerId="LiveId" clId="{72D010E5-0A13-478F-A1C9-107A62FDABBE}" dt="2023-09-09T13:39:09.631" v="47" actId="22"/>
+          <ac:spMkLst>
+            <pc:docMk/>
+            <pc:sldMk cId="2190020775" sldId="262"/>
+            <ac:spMk id="4" creationId="{75931C44-1AF6-A0C8-5B4B-5693A68F59F3}"/>
+          </ac:spMkLst>
+        </pc:spChg>
+        <pc:picChg chg="add mod ord">
+          <ac:chgData name="Mico Siahaan" userId="a87d3b564efc7573" providerId="LiveId" clId="{72D010E5-0A13-478F-A1C9-107A62FDABBE}" dt="2023-09-09T13:39:20.593" v="50" actId="1076"/>
+          <ac:picMkLst>
+            <pc:docMk/>
+            <pc:sldMk cId="2190020775" sldId="262"/>
+            <ac:picMk id="6" creationId="{154B8A16-B9D0-EBF2-DA78-CF4FADD8B2AE}"/>
+          </ac:picMkLst>
+        </pc:picChg>
+        <pc:picChg chg="mod">
+          <ac:chgData name="Mico Siahaan" userId="a87d3b564efc7573" providerId="LiveId" clId="{72D010E5-0A13-478F-A1C9-107A62FDABBE}" dt="2023-09-09T13:35:26.202" v="43" actId="1076"/>
+          <ac:picMkLst>
+            <pc:docMk/>
+            <pc:sldMk cId="2190020775" sldId="262"/>
+            <ac:picMk id="7" creationId="{432753FD-1FD5-9D4A-F0F6-3A63A232212A}"/>
+          </ac:picMkLst>
+        </pc:picChg>
+        <pc:picChg chg="del mod">
+          <ac:chgData name="Mico Siahaan" userId="a87d3b564efc7573" providerId="LiveId" clId="{72D010E5-0A13-478F-A1C9-107A62FDABBE}" dt="2023-09-09T13:38:53.881" v="46" actId="478"/>
+          <ac:picMkLst>
+            <pc:docMk/>
+            <pc:sldMk cId="2190020775" sldId="262"/>
+            <ac:picMk id="9" creationId="{583E4091-57BE-634E-0B7B-B2D19A3006A2}"/>
+          </ac:picMkLst>
+        </pc:picChg>
+      </pc:sldChg>
+      <pc:sldChg chg="addSp delSp modSp mod">
+        <pc:chgData name="Mico Siahaan" userId="a87d3b564efc7573" providerId="LiveId" clId="{72D010E5-0A13-478F-A1C9-107A62FDABBE}" dt="2023-09-09T13:40:21.075" v="53" actId="14100"/>
+        <pc:sldMkLst>
+          <pc:docMk/>
+          <pc:sldMk cId="997361058" sldId="265"/>
+        </pc:sldMkLst>
+        <pc:spChg chg="add mod">
+          <ac:chgData name="Mico Siahaan" userId="a87d3b564efc7573" providerId="LiveId" clId="{72D010E5-0A13-478F-A1C9-107A62FDABBE}" dt="2023-09-09T13:40:06.562" v="51" actId="478"/>
+          <ac:spMkLst>
+            <pc:docMk/>
+            <pc:sldMk cId="997361058" sldId="265"/>
+            <ac:spMk id="5" creationId="{F87A2D4C-5FE2-E245-4CC0-32F5B2B908F6}"/>
+          </ac:spMkLst>
+        </pc:spChg>
+        <pc:picChg chg="mod">
+          <ac:chgData name="Mico Siahaan" userId="a87d3b564efc7573" providerId="LiveId" clId="{72D010E5-0A13-478F-A1C9-107A62FDABBE}" dt="2023-09-09T13:40:21.075" v="53" actId="14100"/>
+          <ac:picMkLst>
+            <pc:docMk/>
+            <pc:sldMk cId="997361058" sldId="265"/>
+            <ac:picMk id="6" creationId="{F1E73CE7-5260-3EF1-A802-2660819406C4}"/>
+          </ac:picMkLst>
+        </pc:picChg>
+        <pc:picChg chg="del">
+          <ac:chgData name="Mico Siahaan" userId="a87d3b564efc7573" providerId="LiveId" clId="{72D010E5-0A13-478F-A1C9-107A62FDABBE}" dt="2023-09-09T13:40:06.562" v="51" actId="478"/>
+          <ac:picMkLst>
+            <pc:docMk/>
+            <pc:sldMk cId="997361058" sldId="265"/>
+            <ac:picMk id="8" creationId="{F9C95E86-F2C9-3292-8626-DA7222F1BF54}"/>
+          </ac:picMkLst>
+        </pc:picChg>
+      </pc:sldChg>
+      <pc:sldChg chg="addSp delSp modSp mod setBg modClrScheme chgLayout">
+        <pc:chgData name="Mico Siahaan" userId="a87d3b564efc7573" providerId="LiveId" clId="{72D010E5-0A13-478F-A1C9-107A62FDABBE}" dt="2023-09-09T13:44:52.349" v="67" actId="26606"/>
+        <pc:sldMkLst>
+          <pc:docMk/>
+          <pc:sldMk cId="3011605049" sldId="267"/>
+        </pc:sldMkLst>
+        <pc:spChg chg="mod ord">
+          <ac:chgData name="Mico Siahaan" userId="a87d3b564efc7573" providerId="LiveId" clId="{72D010E5-0A13-478F-A1C9-107A62FDABBE}" dt="2023-09-09T13:44:52.349" v="67" actId="26606"/>
+          <ac:spMkLst>
+            <pc:docMk/>
+            <pc:sldMk cId="3011605049" sldId="267"/>
+            <ac:spMk id="2" creationId="{F7EAD040-D145-D1B4-BAEC-DCCBF10F5CC1}"/>
+          </ac:spMkLst>
+        </pc:spChg>
+        <pc:spChg chg="add del mod">
+          <ac:chgData name="Mico Siahaan" userId="a87d3b564efc7573" providerId="LiveId" clId="{72D010E5-0A13-478F-A1C9-107A62FDABBE}" dt="2023-09-09T13:42:00.333" v="55" actId="22"/>
+          <ac:spMkLst>
+            <pc:docMk/>
+            <pc:sldMk cId="3011605049" sldId="267"/>
+            <ac:spMk id="4" creationId="{D79DC5D9-A53B-82AB-6BB3-4F8E37371E16}"/>
+          </ac:spMkLst>
+        </pc:spChg>
+        <pc:picChg chg="del mod">
+          <ac:chgData name="Mico Siahaan" userId="a87d3b564efc7573" providerId="LiveId" clId="{72D010E5-0A13-478F-A1C9-107A62FDABBE}" dt="2023-09-09T13:40:43.279" v="54" actId="478"/>
+          <ac:picMkLst>
+            <pc:docMk/>
+            <pc:sldMk cId="3011605049" sldId="267"/>
+            <ac:picMk id="6" creationId="{051030AB-BCF1-C14E-2591-BBBEECBD65B6}"/>
+          </ac:picMkLst>
+        </pc:picChg>
+        <pc:picChg chg="add mod ord">
+          <ac:chgData name="Mico Siahaan" userId="a87d3b564efc7573" providerId="LiveId" clId="{72D010E5-0A13-478F-A1C9-107A62FDABBE}" dt="2023-09-09T13:44:52.349" v="67" actId="26606"/>
+          <ac:picMkLst>
+            <pc:docMk/>
+            <pc:sldMk cId="3011605049" sldId="267"/>
+            <ac:picMk id="7" creationId="{323359BD-F4EA-CFC3-7996-2267670F24DF}"/>
+          </ac:picMkLst>
+        </pc:picChg>
+      </pc:sldChg>
+      <pc:sldChg chg="addSp delSp modSp mod setBg delDesignElem chgLayout">
+        <pc:chgData name="Mico Siahaan" userId="a87d3b564efc7573" providerId="LiveId" clId="{72D010E5-0A13-478F-A1C9-107A62FDABBE}" dt="2023-09-09T13:44:17.671" v="65" actId="22"/>
+        <pc:sldMkLst>
+          <pc:docMk/>
+          <pc:sldMk cId="837155632" sldId="268"/>
+        </pc:sldMkLst>
+        <pc:spChg chg="mod ord">
+          <ac:chgData name="Mico Siahaan" userId="a87d3b564efc7573" providerId="LiveId" clId="{72D010E5-0A13-478F-A1C9-107A62FDABBE}" dt="2023-09-09T13:43:16.179" v="64" actId="26606"/>
+          <ac:spMkLst>
+            <pc:docMk/>
+            <pc:sldMk cId="837155632" sldId="268"/>
+            <ac:spMk id="2" creationId="{F46A2E23-E2C0-D423-4D0F-3D5B013F2F0A}"/>
+          </ac:spMkLst>
+        </pc:spChg>
+        <pc:spChg chg="add del mod">
+          <ac:chgData name="Mico Siahaan" userId="a87d3b564efc7573" providerId="LiveId" clId="{72D010E5-0A13-478F-A1C9-107A62FDABBE}" dt="2023-09-09T13:43:13.534" v="63" actId="700"/>
+          <ac:spMkLst>
+            <pc:docMk/>
+            <pc:sldMk cId="837155632" sldId="268"/>
+            <ac:spMk id="4" creationId="{D59119ED-1EC7-BA78-F9C3-D2A0AC3BAAB7}"/>
+          </ac:spMkLst>
+        </pc:spChg>
+        <pc:spChg chg="add del mod ord">
+          <ac:chgData name="Mico Siahaan" userId="a87d3b564efc7573" providerId="LiveId" clId="{72D010E5-0A13-478F-A1C9-107A62FDABBE}" dt="2023-09-09T13:44:17.671" v="65" actId="22"/>
+          <ac:spMkLst>
+            <pc:docMk/>
+            <pc:sldMk cId="837155632" sldId="268"/>
+            <ac:spMk id="5" creationId="{2087E45B-467A-873D-07C3-13D7962D5849}"/>
+          </ac:spMkLst>
+        </pc:spChg>
+        <pc:spChg chg="add del">
+          <ac:chgData name="Mico Siahaan" userId="a87d3b564efc7573" providerId="LiveId" clId="{72D010E5-0A13-478F-A1C9-107A62FDABBE}" dt="2023-09-09T13:43:13.534" v="63" actId="700"/>
+          <ac:spMkLst>
+            <pc:docMk/>
+            <pc:sldMk cId="837155632" sldId="268"/>
+            <ac:spMk id="9" creationId="{375136A9-49F9-4DA0-A741-F065B0FA091D}"/>
+          </ac:spMkLst>
+        </pc:spChg>
+        <pc:spChg chg="add">
+          <ac:chgData name="Mico Siahaan" userId="a87d3b564efc7573" providerId="LiveId" clId="{72D010E5-0A13-478F-A1C9-107A62FDABBE}" dt="2023-09-09T13:43:16.179" v="64" actId="26606"/>
+          <ac:spMkLst>
+            <pc:docMk/>
+            <pc:sldMk cId="837155632" sldId="268"/>
+            <ac:spMk id="10" creationId="{375136A9-49F9-4DA0-A741-F065B0FA091D}"/>
+          </ac:spMkLst>
+        </pc:spChg>
+        <pc:spChg chg="add del">
+          <ac:chgData name="Mico Siahaan" userId="a87d3b564efc7573" providerId="LiveId" clId="{72D010E5-0A13-478F-A1C9-107A62FDABBE}" dt="2023-09-09T13:43:13.534" v="63" actId="700"/>
+          <ac:spMkLst>
+            <pc:docMk/>
+            <pc:sldMk cId="837155632" sldId="268"/>
+            <ac:spMk id="11" creationId="{B912F6C7-0423-4B6F-AECE-710C848918FD}"/>
+          </ac:spMkLst>
+        </pc:spChg>
+        <pc:spChg chg="add">
+          <ac:chgData name="Mico Siahaan" userId="a87d3b564efc7573" providerId="LiveId" clId="{72D010E5-0A13-478F-A1C9-107A62FDABBE}" dt="2023-09-09T13:43:16.179" v="64" actId="26606"/>
+          <ac:spMkLst>
+            <pc:docMk/>
+            <pc:sldMk cId="837155632" sldId="268"/>
+            <ac:spMk id="12" creationId="{B912F6C7-0423-4B6F-AECE-710C848918FD}"/>
+          </ac:spMkLst>
+        </pc:spChg>
+        <pc:picChg chg="del mod">
+          <ac:chgData name="Mico Siahaan" userId="a87d3b564efc7573" providerId="LiveId" clId="{72D010E5-0A13-478F-A1C9-107A62FDABBE}" dt="2023-09-09T13:42:50.159" v="61" actId="478"/>
+          <ac:picMkLst>
+            <pc:docMk/>
+            <pc:sldMk cId="837155632" sldId="268"/>
+            <ac:picMk id="7" creationId="{9744EE79-E67E-D049-643F-2DD3EA32FD85}"/>
+          </ac:picMkLst>
+        </pc:picChg>
+        <pc:picChg chg="add mod ord">
+          <ac:chgData name="Mico Siahaan" userId="a87d3b564efc7573" providerId="LiveId" clId="{72D010E5-0A13-478F-A1C9-107A62FDABBE}" dt="2023-09-09T13:44:17.671" v="65" actId="22"/>
+          <ac:picMkLst>
+            <pc:docMk/>
+            <pc:sldMk cId="837155632" sldId="268"/>
+            <ac:picMk id="8" creationId="{F50D2B9A-254D-9F0E-B239-4FE0F0C61411}"/>
+          </ac:picMkLst>
+        </pc:picChg>
+        <pc:cxnChg chg="add del">
+          <ac:chgData name="Mico Siahaan" userId="a87d3b564efc7573" providerId="LiveId" clId="{72D010E5-0A13-478F-A1C9-107A62FDABBE}" dt="2023-09-09T13:43:13.534" v="63" actId="700"/>
+          <ac:cxnSpMkLst>
+            <pc:docMk/>
+            <pc:sldMk cId="837155632" sldId="268"/>
+            <ac:cxnSpMk id="13" creationId="{A7208205-03EE-4EC8-9C34-59270C1880D8}"/>
+          </ac:cxnSpMkLst>
+        </pc:cxnChg>
+        <pc:cxnChg chg="add">
+          <ac:chgData name="Mico Siahaan" userId="a87d3b564efc7573" providerId="LiveId" clId="{72D010E5-0A13-478F-A1C9-107A62FDABBE}" dt="2023-09-09T13:43:16.179" v="64" actId="26606"/>
+          <ac:cxnSpMkLst>
+            <pc:docMk/>
+            <pc:sldMk cId="837155632" sldId="268"/>
+            <ac:cxnSpMk id="14" creationId="{A7208205-03EE-4EC8-9C34-59270C1880D8}"/>
+          </ac:cxnSpMkLst>
+        </pc:cxnChg>
+      </pc:sldChg>
+      <pc:sldChg chg="modSp mod">
+        <pc:chgData name="Mico Siahaan" userId="a87d3b564efc7573" providerId="LiveId" clId="{72D010E5-0A13-478F-A1C9-107A62FDABBE}" dt="2023-09-09T13:34:32.674" v="35" actId="20577"/>
+        <pc:sldMkLst>
+          <pc:docMk/>
+          <pc:sldMk cId="3368432374" sldId="269"/>
+        </pc:sldMkLst>
+        <pc:spChg chg="mod">
+          <ac:chgData name="Mico Siahaan" userId="a87d3b564efc7573" providerId="LiveId" clId="{72D010E5-0A13-478F-A1C9-107A62FDABBE}" dt="2023-09-09T13:34:32.674" v="35" actId="20577"/>
+          <ac:spMkLst>
+            <pc:docMk/>
+            <pc:sldMk cId="3368432374" sldId="269"/>
+            <ac:spMk id="3" creationId="{D0BF0D4C-41FE-15EB-FDF2-E84B96E2EBA5}"/>
+          </ac:spMkLst>
+        </pc:spChg>
+      </pc:sldChg>
+      <pc:sldChg chg="addSp delSp modSp mod setBg chgLayout">
+        <pc:chgData name="Mico Siahaan" userId="a87d3b564efc7573" providerId="LiveId" clId="{72D010E5-0A13-478F-A1C9-107A62FDABBE}" dt="2023-09-09T13:47:08.813" v="75" actId="26606"/>
+        <pc:sldMkLst>
+          <pc:docMk/>
+          <pc:sldMk cId="3205008047" sldId="270"/>
+        </pc:sldMkLst>
+        <pc:spChg chg="mod ord">
+          <ac:chgData name="Mico Siahaan" userId="a87d3b564efc7573" providerId="LiveId" clId="{72D010E5-0A13-478F-A1C9-107A62FDABBE}" dt="2023-09-09T13:47:08.813" v="75" actId="26606"/>
+          <ac:spMkLst>
+            <pc:docMk/>
+            <pc:sldMk cId="3205008047" sldId="270"/>
+            <ac:spMk id="2" creationId="{3ABC10BA-DAC8-2F8B-4264-FA7B27126ACD}"/>
+          </ac:spMkLst>
+        </pc:spChg>
+        <pc:spChg chg="add del mod">
+          <ac:chgData name="Mico Siahaan" userId="a87d3b564efc7573" providerId="LiveId" clId="{72D010E5-0A13-478F-A1C9-107A62FDABBE}" dt="2023-09-09T13:45:44.565" v="72" actId="700"/>
+          <ac:spMkLst>
+            <pc:docMk/>
+            <pc:sldMk cId="3205008047" sldId="270"/>
+            <ac:spMk id="4" creationId="{69B3586F-134A-359A-9FD8-75A90ABCE665}"/>
+          </ac:spMkLst>
+        </pc:spChg>
+        <pc:spChg chg="add del mod ord">
+          <ac:chgData name="Mico Siahaan" userId="a87d3b564efc7573" providerId="LiveId" clId="{72D010E5-0A13-478F-A1C9-107A62FDABBE}" dt="2023-09-09T13:46:03.283" v="73" actId="700"/>
+          <ac:spMkLst>
+            <pc:docMk/>
+            <pc:sldMk cId="3205008047" sldId="270"/>
+            <ac:spMk id="5" creationId="{646C5617-CFB9-E4B2-2E0D-1A46E9BD986E}"/>
+          </ac:spMkLst>
+        </pc:spChg>
+        <pc:spChg chg="add del mod ord">
+          <ac:chgData name="Mico Siahaan" userId="a87d3b564efc7573" providerId="LiveId" clId="{72D010E5-0A13-478F-A1C9-107A62FDABBE}" dt="2023-09-09T13:47:06.803" v="74" actId="22"/>
+          <ac:spMkLst>
+            <pc:docMk/>
+            <pc:sldMk cId="3205008047" sldId="270"/>
+            <ac:spMk id="6" creationId="{9FB0C8D0-559C-2C01-F8A6-9BD3CF6893EE}"/>
+          </ac:spMkLst>
+        </pc:spChg>
+        <pc:picChg chg="add mod ord">
+          <ac:chgData name="Mico Siahaan" userId="a87d3b564efc7573" providerId="LiveId" clId="{72D010E5-0A13-478F-A1C9-107A62FDABBE}" dt="2023-09-09T13:47:08.813" v="75" actId="26606"/>
+          <ac:picMkLst>
+            <pc:docMk/>
+            <pc:sldMk cId="3205008047" sldId="270"/>
+            <ac:picMk id="8" creationId="{923B0F88-D695-2CAA-678A-4D0A6F966D1E}"/>
+          </ac:picMkLst>
+        </pc:picChg>
+        <pc:picChg chg="del mod">
+          <ac:chgData name="Mico Siahaan" userId="a87d3b564efc7573" providerId="LiveId" clId="{72D010E5-0A13-478F-A1C9-107A62FDABBE}" dt="2023-09-09T13:45:36.245" v="71" actId="478"/>
+          <ac:picMkLst>
+            <pc:docMk/>
+            <pc:sldMk cId="3205008047" sldId="270"/>
+            <ac:picMk id="9" creationId="{C590C6F5-67B0-2A88-7F56-DB7D0A1C115B}"/>
+          </ac:picMkLst>
+        </pc:picChg>
+      </pc:sldChg>
+    </pc:docChg>
+  </pc:docChgLst>
+  <pc:docChgLst>
     <pc:chgData name="Mico Siahaan" userId="a87d3b564efc7573" providerId="Windows Live" clId="Web-{FC79E1D7-89F2-4EC9-9977-E120E9633111}"/>
     <pc:docChg chg="modSld">
       <pc:chgData name="Mico Siahaan" userId="a87d3b564efc7573" providerId="Windows Live" clId="Web-{FC79E1D7-89F2-4EC9-9977-E120E9633111}" dt="2023-08-28T11:22:28.328" v="2" actId="1076"/>
@@ -1040,7 +1367,7 @@
             <a:fld id="{B61BEF0D-F0BB-DE4B-95CE-6DB70DBA9567}" type="datetimeFigureOut">
               <a:rPr lang="en-US" dirty="0"/>
               <a:pPr/>
-              <a:t>8/28/2023</a:t>
+              <a:t>9/9/2023</a:t>
             </a:fld>
             <a:endParaRPr lang="en-US" dirty="0"/>
           </a:p>
@@ -1328,7 +1655,7 @@
             <a:fld id="{B61BEF0D-F0BB-DE4B-95CE-6DB70DBA9567}" type="datetimeFigureOut">
               <a:rPr lang="en-US" dirty="0"/>
               <a:pPr/>
-              <a:t>8/28/2023</a:t>
+              <a:t>9/9/2023</a:t>
             </a:fld>
             <a:endParaRPr lang="en-US" dirty="0"/>
           </a:p>
@@ -1588,7 +1915,7 @@
             <a:fld id="{B61BEF0D-F0BB-DE4B-95CE-6DB70DBA9567}" type="datetimeFigureOut">
               <a:rPr lang="en-US" dirty="0"/>
               <a:pPr/>
-              <a:t>8/28/2023</a:t>
+              <a:t>9/9/2023</a:t>
             </a:fld>
             <a:endParaRPr lang="en-US" dirty="0"/>
           </a:p>
@@ -2058,7 +2385,7 @@
             <a:fld id="{B61BEF0D-F0BB-DE4B-95CE-6DB70DBA9567}" type="datetimeFigureOut">
               <a:rPr lang="en-US" dirty="0"/>
               <a:pPr/>
-              <a:t>8/28/2023</a:t>
+              <a:t>9/9/2023</a:t>
             </a:fld>
             <a:endParaRPr lang="en-US" dirty="0"/>
           </a:p>
@@ -2239,7 +2566,7 @@
             <a:fld id="{B61BEF0D-F0BB-DE4B-95CE-6DB70DBA9567}" type="datetimeFigureOut">
               <a:rPr lang="en-US" dirty="0"/>
               <a:pPr/>
-              <a:t>8/28/2023</a:t>
+              <a:t>9/9/2023</a:t>
             </a:fld>
             <a:endParaRPr lang="en-US" dirty="0"/>
           </a:p>
@@ -2816,7 +3143,7 @@
             <a:fld id="{B61BEF0D-F0BB-DE4B-95CE-6DB70DBA9567}" type="datetimeFigureOut">
               <a:rPr lang="en-US" dirty="0"/>
               <a:pPr/>
-              <a:t>8/28/2023</a:t>
+              <a:t>9/9/2023</a:t>
             </a:fld>
             <a:endParaRPr lang="en-US" dirty="0"/>
           </a:p>
@@ -3149,7 +3476,7 @@
             <a:fld id="{B61BEF0D-F0BB-DE4B-95CE-6DB70DBA9567}" type="datetimeFigureOut">
               <a:rPr lang="en-US" dirty="0"/>
               <a:pPr/>
-              <a:t>8/28/2023</a:t>
+              <a:t>9/9/2023</a:t>
             </a:fld>
             <a:endParaRPr lang="en-US" dirty="0"/>
           </a:p>
@@ -3324,7 +3651,7 @@
             <a:fld id="{B61BEF0D-F0BB-DE4B-95CE-6DB70DBA9567}" type="datetimeFigureOut">
               <a:rPr lang="en-US" dirty="0"/>
               <a:pPr/>
-              <a:t>8/28/2023</a:t>
+              <a:t>9/9/2023</a:t>
             </a:fld>
             <a:endParaRPr lang="en-US" dirty="0"/>
           </a:p>
@@ -3504,7 +3831,7 @@
             <a:fld id="{B61BEF0D-F0BB-DE4B-95CE-6DB70DBA9567}" type="datetimeFigureOut">
               <a:rPr lang="en-US" dirty="0"/>
               <a:pPr/>
-              <a:t>8/28/2023</a:t>
+              <a:t>9/9/2023</a:t>
             </a:fld>
             <a:endParaRPr lang="en-US" dirty="0"/>
           </a:p>
@@ -3674,7 +4001,7 @@
             <a:fld id="{B61BEF0D-F0BB-DE4B-95CE-6DB70DBA9567}" type="datetimeFigureOut">
               <a:rPr lang="en-US" dirty="0"/>
               <a:pPr/>
-              <a:t>8/28/2023</a:t>
+              <a:t>9/9/2023</a:t>
             </a:fld>
             <a:endParaRPr lang="en-US" dirty="0"/>
           </a:p>
@@ -3932,7 +4259,7 @@
             <a:fld id="{B61BEF0D-F0BB-DE4B-95CE-6DB70DBA9567}" type="datetimeFigureOut">
               <a:rPr lang="en-US" dirty="0"/>
               <a:pPr/>
-              <a:t>8/28/2023</a:t>
+              <a:t>9/9/2023</a:t>
             </a:fld>
             <a:endParaRPr lang="en-US" dirty="0"/>
           </a:p>
@@ -4223,7 +4550,7 @@
             <a:fld id="{B61BEF0D-F0BB-DE4B-95CE-6DB70DBA9567}" type="datetimeFigureOut">
               <a:rPr lang="en-US" dirty="0"/>
               <a:pPr/>
-              <a:t>8/28/2023</a:t>
+              <a:t>9/9/2023</a:t>
             </a:fld>
             <a:endParaRPr lang="en-US" dirty="0"/>
           </a:p>
@@ -4652,7 +4979,7 @@
             <a:fld id="{B61BEF0D-F0BB-DE4B-95CE-6DB70DBA9567}" type="datetimeFigureOut">
               <a:rPr lang="en-US" dirty="0"/>
               <a:pPr/>
-              <a:t>8/28/2023</a:t>
+              <a:t>9/9/2023</a:t>
             </a:fld>
             <a:endParaRPr lang="en-US" dirty="0"/>
           </a:p>
@@ -4771,7 +5098,7 @@
             <a:fld id="{B61BEF0D-F0BB-DE4B-95CE-6DB70DBA9567}" type="datetimeFigureOut">
               <a:rPr lang="en-US" dirty="0"/>
               <a:pPr/>
-              <a:t>8/28/2023</a:t>
+              <a:t>9/9/2023</a:t>
             </a:fld>
             <a:endParaRPr lang="en-US" dirty="0"/>
           </a:p>
@@ -4868,7 +5195,7 @@
             <a:fld id="{B61BEF0D-F0BB-DE4B-95CE-6DB70DBA9567}" type="datetimeFigureOut">
               <a:rPr lang="en-US" dirty="0"/>
               <a:pPr/>
-              <a:t>8/28/2023</a:t>
+              <a:t>9/9/2023</a:t>
             </a:fld>
             <a:endParaRPr lang="en-US" dirty="0"/>
           </a:p>
@@ -5151,7 +5478,7 @@
             <a:fld id="{B61BEF0D-F0BB-DE4B-95CE-6DB70DBA9567}" type="datetimeFigureOut">
               <a:rPr lang="en-US" dirty="0"/>
               <a:pPr/>
-              <a:t>8/28/2023</a:t>
+              <a:t>9/9/2023</a:t>
             </a:fld>
             <a:endParaRPr lang="en-US" dirty="0"/>
           </a:p>
@@ -5439,7 +5766,7 @@
             <a:fld id="{B61BEF0D-F0BB-DE4B-95CE-6DB70DBA9567}" type="datetimeFigureOut">
               <a:rPr lang="en-US" dirty="0"/>
               <a:pPr/>
-              <a:t>8/28/2023</a:t>
+              <a:t>9/9/2023</a:t>
             </a:fld>
             <a:endParaRPr lang="en-US" dirty="0"/>
           </a:p>
@@ -5698,7 +6025,7 @@
             <a:fld id="{B61BEF0D-F0BB-DE4B-95CE-6DB70DBA9567}" type="datetimeFigureOut">
               <a:rPr lang="en-US" dirty="0"/>
               <a:pPr/>
-              <a:t>8/28/2023</a:t>
+              <a:t>9/9/2023</a:t>
             </a:fld>
             <a:endParaRPr lang="en-US" dirty="0"/>
           </a:p>
@@ -7378,10 +7705,10 @@
       </p:sp>
       <p:pic>
         <p:nvPicPr>
-          <p:cNvPr id="8" name="Content Placeholder 7">
+          <p:cNvPr id="6" name="Content Placeholder 5">
             <a:extLst>
               <a:ext uri="{FF2B5EF4-FFF2-40B4-BE49-F238E27FC236}">
-                <a16:creationId xmlns:a16="http://schemas.microsoft.com/office/drawing/2014/main" id="{F9C95E86-F2C9-3292-8626-DA7222F1BF54}"/>
+                <a16:creationId xmlns:a16="http://schemas.microsoft.com/office/drawing/2014/main" id="{F1E73CE7-5260-3EF1-A802-2660819406C4}"/>
               </a:ext>
             </a:extLst>
           </p:cNvPr>
@@ -7400,9 +7727,12 @@
         </p:blipFill>
         <p:spPr>
           <a:xfrm>
-            <a:off x="5666872" y="2405062"/>
-            <a:ext cx="5958644" cy="2338387"/>
+            <a:off x="6474384" y="2381249"/>
+            <a:ext cx="4222124" cy="3512939"/>
           </a:xfrm>
+          <a:prstGeom prst="rect">
+            <a:avLst/>
+          </a:prstGeom>
         </p:spPr>
       </p:pic>
     </p:spTree>
@@ -7509,6 +7839,29 @@
 <file path=ppt/slides/slide12.xml><?xml version="1.0" encoding="utf-8"?>
 <p:sld xmlns:a="http://schemas.openxmlformats.org/drawingml/2006/main" xmlns:r="http://schemas.openxmlformats.org/officeDocument/2006/relationships" xmlns:p="http://schemas.openxmlformats.org/presentationml/2006/main">
   <p:cSld>
+    <p:bg>
+      <p:bgPr>
+        <a:blipFill rotWithShape="1">
+          <a:blip r:embed="rId2">
+            <a:duotone>
+              <a:schemeClr val="bg2">
+                <a:shade val="28000"/>
+                <a:satMod val="94000"/>
+                <a:lumMod val="20000"/>
+              </a:schemeClr>
+              <a:schemeClr val="bg2">
+                <a:tint val="94000"/>
+                <a:shade val="84000"/>
+                <a:satMod val="148000"/>
+                <a:lumMod val="114000"/>
+              </a:schemeClr>
+            </a:duotone>
+          </a:blip>
+          <a:stretch/>
+        </a:blipFill>
+        <a:effectLst/>
+      </p:bgPr>
+    </p:bg>
     <p:spTree>
       <p:nvGrpSpPr>
         <p:cNvPr id="1" name=""/>
@@ -7539,25 +7892,47 @@
             <p:ph type="title"/>
           </p:nvPr>
         </p:nvSpPr>
-        <p:spPr/>
-        <p:txBody>
-          <a:bodyPr/>
+        <p:spPr>
+          <a:xfrm>
+            <a:off x="8164106" y="609600"/>
+            <a:ext cx="3369133" cy="3642851"/>
+          </a:xfrm>
+        </p:spPr>
+        <p:txBody>
+          <a:bodyPr vert="horz" lIns="91440" tIns="45720" rIns="91440" bIns="45720" rtlCol="0" anchor="b">
+            <a:normAutofit/>
+          </a:bodyPr>
           <a:lstStyle/>
           <a:p>
-            <a:r>
-              <a:rPr lang="en-US" dirty="0"/>
+            <a:pPr algn="ctr"/>
+            <a:r>
+              <a:rPr lang="en-US" sz="4000">
+                <a:effectLst>
+                  <a:glow rad="38100">
+                    <a:schemeClr val="bg1">
+                      <a:lumMod val="65000"/>
+                      <a:lumOff val="35000"/>
+                      <a:alpha val="50000"/>
+                    </a:schemeClr>
+                  </a:glow>
+                  <a:outerShdw blurRad="28575" dist="31750" dir="13200000" algn="tl" rotWithShape="0">
+                    <a:srgbClr val="000000">
+                      <a:alpha val="25000"/>
+                    </a:srgbClr>
+                  </a:outerShdw>
+                </a:effectLst>
+              </a:rPr>
               <a:t>Strings</a:t>
             </a:r>
-            <a:endParaRPr lang="en-MY" dirty="0"/>
           </a:p>
         </p:txBody>
       </p:sp>
       <p:pic>
         <p:nvPicPr>
-          <p:cNvPr id="6" name="Content Placeholder 5">
+          <p:cNvPr id="7" name="Content Placeholder 6">
             <a:extLst>
               <a:ext uri="{FF2B5EF4-FFF2-40B4-BE49-F238E27FC236}">
-                <a16:creationId xmlns:a16="http://schemas.microsoft.com/office/drawing/2014/main" id="{051030AB-BCF1-C14E-2591-BBBEECBD65B6}"/>
+                <a16:creationId xmlns:a16="http://schemas.microsoft.com/office/drawing/2014/main" id="{323359BD-F4EA-CFC3-7996-2267670F24DF}"/>
               </a:ext>
             </a:extLst>
           </p:cNvPr>
@@ -7565,20 +7940,48 @@
             <a:picLocks noGrp="1" noChangeAspect="1"/>
           </p:cNvPicPr>
           <p:nvPr>
-            <p:ph sz="half" idx="1"/>
+            <p:ph idx="1"/>
           </p:nvPr>
         </p:nvPicPr>
         <p:blipFill>
-          <a:blip r:embed="rId2"/>
+          <a:blip r:embed="rId3"/>
           <a:stretch>
             <a:fillRect/>
           </a:stretch>
         </p:blipFill>
         <p:spPr>
           <a:xfrm>
-            <a:off x="1432873" y="1552574"/>
-            <a:ext cx="8206427" cy="4616115"/>
+            <a:off x="636915" y="1840241"/>
+            <a:ext cx="6915663" cy="3181205"/>
           </a:xfrm>
+          <a:prstGeom prst="roundRect">
+            <a:avLst>
+              <a:gd name="adj" fmla="val 3517"/>
+            </a:avLst>
+          </a:prstGeom>
+          <a:ln w="38100">
+            <a:gradFill flip="none" rotWithShape="1">
+              <a:gsLst>
+                <a:gs pos="0">
+                  <a:srgbClr val="363D46"/>
+                </a:gs>
+                <a:gs pos="100000">
+                  <a:srgbClr val="363D46">
+                    <a:lumMod val="75000"/>
+                  </a:srgbClr>
+                </a:gs>
+              </a:gsLst>
+              <a:lin ang="5400000" scaled="0"/>
+              <a:tileRect/>
+            </a:gradFill>
+          </a:ln>
+          <a:effectLst>
+            <a:innerShdw blurRad="57150" dist="38100" dir="14460000">
+              <a:srgbClr val="000000">
+                <a:alpha val="70000"/>
+              </a:srgbClr>
+            </a:innerShdw>
+          </a:effectLst>
         </p:spPr>
       </p:pic>
     </p:spTree>
@@ -7597,6 +8000,29 @@
 <file path=ppt/slides/slide13.xml><?xml version="1.0" encoding="utf-8"?>
 <p:sld xmlns:a="http://schemas.openxmlformats.org/drawingml/2006/main" xmlns:r="http://schemas.openxmlformats.org/officeDocument/2006/relationships" xmlns:p="http://schemas.openxmlformats.org/presentationml/2006/main">
   <p:cSld>
+    <p:bg>
+      <p:bgPr>
+        <a:blipFill rotWithShape="1">
+          <a:blip r:embed="rId2">
+            <a:duotone>
+              <a:schemeClr val="bg2">
+                <a:shade val="28000"/>
+                <a:satMod val="94000"/>
+                <a:lumMod val="20000"/>
+              </a:schemeClr>
+              <a:schemeClr val="bg2">
+                <a:tint val="94000"/>
+                <a:shade val="84000"/>
+                <a:satMod val="148000"/>
+                <a:lumMod val="114000"/>
+              </a:schemeClr>
+            </a:duotone>
+          </a:blip>
+          <a:stretch/>
+        </a:blipFill>
+        <a:effectLst/>
+      </p:bgPr>
+    </p:bg>
     <p:spTree>
       <p:nvGrpSpPr>
         <p:cNvPr id="1" name=""/>
@@ -7627,25 +8053,259 @@
             <p:ph type="title"/>
           </p:nvPr>
         </p:nvSpPr>
-        <p:spPr/>
-        <p:txBody>
-          <a:bodyPr/>
+        <p:spPr>
+          <a:xfrm>
+            <a:off x="974179" y="714375"/>
+            <a:ext cx="3332955" cy="5076826"/>
+          </a:xfrm>
+        </p:spPr>
+        <p:txBody>
+          <a:bodyPr anchor="ctr">
+            <a:normAutofit/>
+          </a:bodyPr>
           <a:lstStyle/>
           <a:p>
             <a:r>
-              <a:rPr lang="en-US" dirty="0" err="1"/>
+              <a:rPr lang="en-US" sz="4000"/>
               <a:t>Bilangan</a:t>
             </a:r>
-            <a:endParaRPr lang="en-MY" dirty="0"/>
-          </a:p>
-        </p:txBody>
-      </p:sp>
+            <a:endParaRPr lang="en-MY" sz="4000"/>
+          </a:p>
+        </p:txBody>
+      </p:sp>
+      <p:sp>
+        <p:nvSpPr>
+          <p:cNvPr id="10" name="Rectangle 9">
+            <a:extLst>
+              <a:ext uri="{FF2B5EF4-FFF2-40B4-BE49-F238E27FC236}">
+                <a16:creationId xmlns:a16="http://schemas.microsoft.com/office/drawing/2014/main" id="{375136A9-49F9-4DA0-A741-F065B0FA091D}"/>
+              </a:ext>
+              <a:ext uri="{C183D7F6-B498-43B3-948B-1728B52AA6E4}">
+                <adec:decorative xmlns:adec="http://schemas.microsoft.com/office/drawing/2017/decorative" val="1"/>
+              </a:ext>
+            </a:extLst>
+          </p:cNvPr>
+          <p:cNvSpPr>
+            <a:spLocks noGrp="1" noRot="1" noChangeAspect="1" noMove="1" noResize="1" noEditPoints="1" noAdjustHandles="1" noChangeArrowheads="1" noChangeShapeType="1" noTextEdit="1"/>
+          </p:cNvSpPr>
+          <p:nvPr>
+            <p:extLst>
+              <p:ext uri="{386F3935-93C4-4BCD-93E2-E3B085C9AB24}">
+                <p16:designElem xmlns:p16="http://schemas.microsoft.com/office/powerpoint/2015/main" val="1"/>
+              </p:ext>
+            </p:extLst>
+          </p:nvPr>
+        </p:nvSpPr>
+        <p:spPr>
+          <a:xfrm>
+            <a:off x="4633356" y="0"/>
+            <a:ext cx="7558643" cy="6858000"/>
+          </a:xfrm>
+          <a:prstGeom prst="rect">
+            <a:avLst/>
+          </a:prstGeom>
+          <a:solidFill>
+            <a:schemeClr val="bg2"/>
+          </a:solidFill>
+          <a:ln>
+            <a:noFill/>
+          </a:ln>
+          <a:effectLst>
+            <a:innerShdw blurRad="63500" dist="50800" dir="10800000">
+              <a:prstClr val="black">
+                <a:alpha val="50000"/>
+              </a:prstClr>
+            </a:innerShdw>
+          </a:effectLst>
+        </p:spPr>
+        <p:style>
+          <a:lnRef idx="2">
+            <a:schemeClr val="accent1">
+              <a:shade val="50000"/>
+            </a:schemeClr>
+          </a:lnRef>
+          <a:fillRef idx="1">
+            <a:schemeClr val="accent1"/>
+          </a:fillRef>
+          <a:effectRef idx="0">
+            <a:schemeClr val="accent1"/>
+          </a:effectRef>
+          <a:fontRef idx="minor">
+            <a:schemeClr val="lt1"/>
+          </a:fontRef>
+        </p:style>
+        <p:txBody>
+          <a:bodyPr rtlCol="0" anchor="ctr"/>
+          <a:lstStyle/>
+          <a:p>
+            <a:pPr algn="ctr"/>
+            <a:endParaRPr lang="en-US" dirty="0"/>
+          </a:p>
+        </p:txBody>
+      </p:sp>
+      <p:sp>
+        <p:nvSpPr>
+          <p:cNvPr id="12" name="Rectangle 11">
+            <a:extLst>
+              <a:ext uri="{FF2B5EF4-FFF2-40B4-BE49-F238E27FC236}">
+                <a16:creationId xmlns:a16="http://schemas.microsoft.com/office/drawing/2014/main" id="{B912F6C7-0423-4B6F-AECE-710C848918FD}"/>
+              </a:ext>
+              <a:ext uri="{C183D7F6-B498-43B3-948B-1728B52AA6E4}">
+                <adec:decorative xmlns:adec="http://schemas.microsoft.com/office/drawing/2017/decorative" val="1"/>
+              </a:ext>
+            </a:extLst>
+          </p:cNvPr>
+          <p:cNvSpPr>
+            <a:spLocks noGrp="1" noRot="1" noChangeAspect="1" noMove="1" noResize="1" noEditPoints="1" noAdjustHandles="1" noChangeArrowheads="1" noChangeShapeType="1" noTextEdit="1"/>
+          </p:cNvSpPr>
+          <p:nvPr>
+            <p:extLst>
+              <p:ext uri="{386F3935-93C4-4BCD-93E2-E3B085C9AB24}">
+                <p16:designElem xmlns:p16="http://schemas.microsoft.com/office/powerpoint/2015/main" val="1"/>
+              </p:ext>
+            </p:extLst>
+          </p:nvPr>
+        </p:nvSpPr>
+        <p:spPr>
+          <a:xfrm rot="5400000" flipH="1">
+            <a:off x="1446539" y="3195797"/>
+            <a:ext cx="6858000" cy="466406"/>
+          </a:xfrm>
+          <a:prstGeom prst="rect">
+            <a:avLst/>
+          </a:prstGeom>
+          <a:gradFill>
+            <a:gsLst>
+              <a:gs pos="0">
+                <a:srgbClr val="363D46">
+                  <a:alpha val="0"/>
+                </a:srgbClr>
+              </a:gs>
+              <a:gs pos="100000">
+                <a:srgbClr val="363D46">
+                  <a:lumMod val="75000"/>
+                </a:srgbClr>
+              </a:gs>
+            </a:gsLst>
+            <a:lin ang="5400000" scaled="0"/>
+          </a:gradFill>
+          <a:ln>
+            <a:noFill/>
+          </a:ln>
+          <a:effectLst/>
+        </p:spPr>
+        <p:style>
+          <a:lnRef idx="2">
+            <a:schemeClr val="accent1">
+              <a:shade val="50000"/>
+            </a:schemeClr>
+          </a:lnRef>
+          <a:fillRef idx="1">
+            <a:schemeClr val="accent1"/>
+          </a:fillRef>
+          <a:effectRef idx="0">
+            <a:schemeClr val="accent1"/>
+          </a:effectRef>
+          <a:fontRef idx="minor">
+            <a:schemeClr val="lt1"/>
+          </a:fontRef>
+        </p:style>
+        <p:txBody>
+          <a:bodyPr rot="0" spcFirstLastPara="0" vertOverflow="overflow" horzOverflow="overflow" vert="horz" wrap="square" lIns="91440" tIns="45720" rIns="91440" bIns="45720" numCol="1" spcCol="0" rtlCol="0" fromWordArt="0" anchor="ctr" anchorCtr="0" forceAA="0" compatLnSpc="1">
+            <a:prstTxWarp prst="textNoShape">
+              <a:avLst/>
+            </a:prstTxWarp>
+            <a:noAutofit/>
+          </a:bodyPr>
+          <a:lstStyle/>
+          <a:p>
+            <a:pPr algn="ctr"/>
+            <a:endParaRPr lang="en-US"/>
+          </a:p>
+        </p:txBody>
+      </p:sp>
+      <p:cxnSp>
+        <p:nvCxnSpPr>
+          <p:cNvPr id="14" name="Straight Connector 13">
+            <a:extLst>
+              <a:ext uri="{FF2B5EF4-FFF2-40B4-BE49-F238E27FC236}">
+                <a16:creationId xmlns:a16="http://schemas.microsoft.com/office/drawing/2014/main" id="{A7208205-03EE-4EC8-9C34-59270C1880D8}"/>
+              </a:ext>
+              <a:ext uri="{C183D7F6-B498-43B3-948B-1728B52AA6E4}">
+                <adec:decorative xmlns:adec="http://schemas.microsoft.com/office/drawing/2017/decorative" val="1"/>
+              </a:ext>
+            </a:extLst>
+          </p:cNvPr>
+          <p:cNvCxnSpPr>
+            <a:cxnSpLocks noGrp="1" noRot="1" noChangeAspect="1" noMove="1" noResize="1" noEditPoints="1" noAdjustHandles="1" noChangeArrowheads="1" noChangeShapeType="1"/>
+          </p:cNvCxnSpPr>
+          <p:nvPr>
+            <p:extLst>
+              <p:ext uri="{386F3935-93C4-4BCD-93E2-E3B085C9AB24}">
+                <p16:designElem xmlns:p16="http://schemas.microsoft.com/office/powerpoint/2015/main" val="1"/>
+              </p:ext>
+            </p:extLst>
+          </p:nvPr>
+        </p:nvCxnSpPr>
+        <p:spPr>
+          <a:xfrm>
+            <a:off x="4642336" y="0"/>
+            <a:ext cx="0" cy="6858000"/>
+          </a:xfrm>
+          <a:prstGeom prst="line">
+            <a:avLst/>
+          </a:prstGeom>
+          <a:solidFill>
+            <a:srgbClr val="FFFFFF"/>
+          </a:solidFill>
+          <a:ln w="38100" cap="flat">
+            <a:gradFill flip="none" rotWithShape="1">
+              <a:gsLst>
+                <a:gs pos="0">
+                  <a:srgbClr val="363D46"/>
+                </a:gs>
+                <a:gs pos="100000">
+                  <a:srgbClr val="363D46">
+                    <a:lumMod val="75000"/>
+                  </a:srgbClr>
+                </a:gs>
+              </a:gsLst>
+              <a:lin ang="5400000" scaled="0"/>
+              <a:tileRect/>
+            </a:gradFill>
+            <a:miter lim="800000"/>
+          </a:ln>
+          <a:effectLst>
+            <a:innerShdw blurRad="57150" dist="38100" dir="14460000">
+              <a:srgbClr val="000000">
+                <a:alpha val="70000"/>
+              </a:srgbClr>
+            </a:innerShdw>
+          </a:effectLst>
+        </p:spPr>
+        <p:style>
+          <a:lnRef idx="2">
+            <a:schemeClr val="accent1">
+              <a:shade val="50000"/>
+            </a:schemeClr>
+          </a:lnRef>
+          <a:fillRef idx="1">
+            <a:schemeClr val="accent1"/>
+          </a:fillRef>
+          <a:effectRef idx="0">
+            <a:schemeClr val="accent1"/>
+          </a:effectRef>
+          <a:fontRef idx="minor">
+            <a:schemeClr val="lt1"/>
+          </a:fontRef>
+        </p:style>
+      </p:cxnSp>
       <p:pic>
         <p:nvPicPr>
-          <p:cNvPr id="7" name="Content Placeholder 6">
+          <p:cNvPr id="8" name="Content Placeholder 7">
             <a:extLst>
               <a:ext uri="{FF2B5EF4-FFF2-40B4-BE49-F238E27FC236}">
-                <a16:creationId xmlns:a16="http://schemas.microsoft.com/office/drawing/2014/main" id="{9744EE79-E67E-D049-643F-2DD3EA32FD85}"/>
+                <a16:creationId xmlns:a16="http://schemas.microsoft.com/office/drawing/2014/main" id="{F50D2B9A-254D-9F0E-B239-4FE0F0C61411}"/>
               </a:ext>
             </a:extLst>
           </p:cNvPr>
@@ -7657,15 +8317,15 @@
           </p:nvPr>
         </p:nvPicPr>
         <p:blipFill>
-          <a:blip r:embed="rId2"/>
+          <a:blip r:embed="rId3"/>
           <a:stretch>
             <a:fillRect/>
           </a:stretch>
         </p:blipFill>
         <p:spPr>
           <a:xfrm>
-            <a:off x="2629391" y="2667000"/>
-            <a:ext cx="6930043" cy="3124200"/>
+            <a:off x="4973638" y="1154900"/>
+            <a:ext cx="6253162" cy="4195774"/>
           </a:xfrm>
         </p:spPr>
       </p:pic>
@@ -7795,7 +8455,15 @@
             </a:r>
             <a:r>
               <a:rPr lang="en-US" dirty="0"/>
-              <a:t> di layer. </a:t>
+              <a:t> di </a:t>
+            </a:r>
+            <a:r>
+              <a:rPr lang="en-US" dirty="0" err="1"/>
+              <a:t>layar</a:t>
+            </a:r>
+            <a:r>
+              <a:rPr lang="en-US" dirty="0"/>
+              <a:t>. </a:t>
             </a:r>
             <a:r>
               <a:rPr lang="en-US" dirty="0" err="1"/>
@@ -7816,6 +8484,30 @@
             <a:r>
               <a:rPr lang="en-US" dirty="0" err="1"/>
               <a:t>nama</a:t>
+            </a:r>
+            <a:r>
+              <a:rPr lang="en-US" dirty="0"/>
+              <a:t> </a:t>
+            </a:r>
+            <a:r>
+              <a:rPr lang="en-US" dirty="0" err="1"/>
+              <a:t>depan</a:t>
+            </a:r>
+            <a:r>
+              <a:rPr lang="en-US" dirty="0"/>
+              <a:t>, </a:t>
+            </a:r>
+            <a:r>
+              <a:rPr lang="en-US" dirty="0" err="1"/>
+              <a:t>nama</a:t>
+            </a:r>
+            <a:r>
+              <a:rPr lang="en-US" dirty="0"/>
+              <a:t> </a:t>
+            </a:r>
+            <a:r>
+              <a:rPr lang="en-US" dirty="0" err="1"/>
+              <a:t>kelaurga</a:t>
             </a:r>
             <a:r>
               <a:rPr lang="en-US" dirty="0"/>
@@ -8073,6 +8765,29 @@
 <file path=ppt/slides/slide15.xml><?xml version="1.0" encoding="utf-8"?>
 <p:sld xmlns:a="http://schemas.openxmlformats.org/drawingml/2006/main" xmlns:r="http://schemas.openxmlformats.org/officeDocument/2006/relationships" xmlns:p="http://schemas.openxmlformats.org/presentationml/2006/main">
   <p:cSld>
+    <p:bg>
+      <p:bgPr>
+        <a:blipFill rotWithShape="1">
+          <a:blip r:embed="rId2">
+            <a:duotone>
+              <a:schemeClr val="bg2">
+                <a:shade val="28000"/>
+                <a:satMod val="94000"/>
+                <a:lumMod val="20000"/>
+              </a:schemeClr>
+              <a:schemeClr val="bg2">
+                <a:tint val="94000"/>
+                <a:shade val="84000"/>
+                <a:satMod val="148000"/>
+                <a:lumMod val="114000"/>
+              </a:schemeClr>
+            </a:duotone>
+          </a:blip>
+          <a:stretch/>
+        </a:blipFill>
+        <a:effectLst/>
+      </p:bgPr>
+    </p:bg>
     <p:spTree>
       <p:nvGrpSpPr>
         <p:cNvPr id="1" name=""/>
@@ -8103,25 +8818,47 @@
             <p:ph type="title"/>
           </p:nvPr>
         </p:nvSpPr>
-        <p:spPr/>
-        <p:txBody>
-          <a:bodyPr/>
+        <p:spPr>
+          <a:xfrm>
+            <a:off x="8164106" y="609600"/>
+            <a:ext cx="3369133" cy="3642851"/>
+          </a:xfrm>
+        </p:spPr>
+        <p:txBody>
+          <a:bodyPr vert="horz" lIns="91440" tIns="45720" rIns="91440" bIns="45720" rtlCol="0" anchor="b">
+            <a:normAutofit/>
+          </a:bodyPr>
           <a:lstStyle/>
           <a:p>
-            <a:r>
-              <a:rPr lang="en-US" dirty="0"/>
+            <a:pPr algn="ctr"/>
+            <a:r>
+              <a:rPr lang="en-US" sz="4000">
+                <a:effectLst>
+                  <a:glow rad="38100">
+                    <a:schemeClr val="bg1">
+                      <a:lumMod val="65000"/>
+                      <a:lumOff val="35000"/>
+                      <a:alpha val="50000"/>
+                    </a:schemeClr>
+                  </a:glow>
+                  <a:outerShdw blurRad="28575" dist="31750" dir="13200000" algn="tl" rotWithShape="0">
+                    <a:srgbClr val="000000">
+                      <a:alpha val="25000"/>
+                    </a:srgbClr>
+                  </a:outerShdw>
+                </a:effectLst>
+              </a:rPr>
               <a:t>input</a:t>
             </a:r>
-            <a:endParaRPr lang="en-MY" dirty="0"/>
           </a:p>
         </p:txBody>
       </p:sp>
       <p:pic>
         <p:nvPicPr>
-          <p:cNvPr id="9" name="Content Placeholder 8">
+          <p:cNvPr id="8" name="Content Placeholder 7">
             <a:extLst>
               <a:ext uri="{FF2B5EF4-FFF2-40B4-BE49-F238E27FC236}">
-                <a16:creationId xmlns:a16="http://schemas.microsoft.com/office/drawing/2014/main" id="{C590C6F5-67B0-2A88-7F56-DB7D0A1C115B}"/>
+                <a16:creationId xmlns:a16="http://schemas.microsoft.com/office/drawing/2014/main" id="{923B0F88-D695-2CAA-678A-4D0A6F966D1E}"/>
               </a:ext>
             </a:extLst>
           </p:cNvPr>
@@ -8133,16 +8870,44 @@
           </p:nvPr>
         </p:nvPicPr>
         <p:blipFill>
-          <a:blip r:embed="rId2"/>
+          <a:blip r:embed="rId3"/>
           <a:stretch>
             <a:fillRect/>
           </a:stretch>
         </p:blipFill>
         <p:spPr>
           <a:xfrm>
-            <a:off x="1450975" y="2962275"/>
-            <a:ext cx="9286875" cy="2533650"/>
+            <a:off x="636915" y="1425302"/>
+            <a:ext cx="6915663" cy="4011083"/>
           </a:xfrm>
+          <a:prstGeom prst="roundRect">
+            <a:avLst>
+              <a:gd name="adj" fmla="val 3517"/>
+            </a:avLst>
+          </a:prstGeom>
+          <a:ln w="38100">
+            <a:gradFill flip="none" rotWithShape="1">
+              <a:gsLst>
+                <a:gs pos="0">
+                  <a:srgbClr val="363D46"/>
+                </a:gs>
+                <a:gs pos="100000">
+                  <a:srgbClr val="363D46">
+                    <a:lumMod val="75000"/>
+                  </a:srgbClr>
+                </a:gs>
+              </a:gsLst>
+              <a:lin ang="5400000" scaled="0"/>
+              <a:tileRect/>
+            </a:gradFill>
+          </a:ln>
+          <a:effectLst>
+            <a:innerShdw blurRad="57150" dist="38100" dir="14460000">
+              <a:srgbClr val="000000">
+                <a:alpha val="70000"/>
+              </a:srgbClr>
+            </a:innerShdw>
+          </a:effectLst>
         </p:spPr>
       </p:pic>
     </p:spTree>
@@ -9004,8 +9769,8 @@
         </p:blipFill>
         <p:spPr>
           <a:xfrm>
-            <a:off x="1302494" y="3185304"/>
-            <a:ext cx="9583838" cy="2087592"/>
+            <a:off x="1141413" y="2255808"/>
+            <a:ext cx="9583838" cy="2502803"/>
           </a:xfrm>
         </p:spPr>
       </p:pic>
@@ -9096,8 +9861,8 @@
         </p:blipFill>
         <p:spPr>
           <a:xfrm>
-            <a:off x="3317346" y="2667000"/>
-            <a:ext cx="5554133" cy="3124200"/>
+            <a:off x="2608219" y="2209800"/>
+            <a:ext cx="6834361" cy="3844328"/>
           </a:xfrm>
         </p:spPr>
       </p:pic>
@@ -9188,8 +9953,8 @@
         </p:blipFill>
         <p:spPr>
           <a:xfrm>
-            <a:off x="2380674" y="2667000"/>
-            <a:ext cx="7427478" cy="3124200"/>
+            <a:off x="1802176" y="2079170"/>
+            <a:ext cx="8521822" cy="3584511"/>
           </a:xfrm>
         </p:spPr>
       </p:pic>
@@ -9276,17 +10041,17 @@
         </p:blipFill>
         <p:spPr>
           <a:xfrm>
-            <a:off x="838200" y="1838226"/>
+            <a:off x="912812" y="2052831"/>
             <a:ext cx="5181600" cy="4062951"/>
           </a:xfrm>
         </p:spPr>
       </p:pic>
       <p:pic>
         <p:nvPicPr>
-          <p:cNvPr id="9" name="Content Placeholder 8">
+          <p:cNvPr id="6" name="Content Placeholder 5">
             <a:extLst>
               <a:ext uri="{FF2B5EF4-FFF2-40B4-BE49-F238E27FC236}">
-                <a16:creationId xmlns:a16="http://schemas.microsoft.com/office/drawing/2014/main" id="{583E4091-57BE-634E-0B7B-B2D19A3006A2}"/>
+                <a16:creationId xmlns:a16="http://schemas.microsoft.com/office/drawing/2014/main" id="{154B8A16-B9D0-EBF2-DA78-CF4FADD8B2AE}"/>
               </a:ext>
             </a:extLst>
           </p:cNvPr>
@@ -9305,8 +10070,8 @@
         </p:blipFill>
         <p:spPr>
           <a:xfrm>
-            <a:off x="6172200" y="1838227"/>
-            <a:ext cx="5181600" cy="4062952"/>
+            <a:off x="6484938" y="2052831"/>
+            <a:ext cx="4876800" cy="4062950"/>
           </a:xfrm>
         </p:spPr>
       </p:pic>
